--- a/Predictive_model_for_Service_Desk.pptx
+++ b/Predictive_model_for_Service_Desk.pptx
@@ -6,15 +6,16 @@
   </p:sldMasterIdLst>
   <p:sldIdLst>
     <p:sldId id="256" r:id="rId2"/>
-    <p:sldId id="257" r:id="rId3"/>
-    <p:sldId id="258" r:id="rId4"/>
-    <p:sldId id="259" r:id="rId5"/>
-    <p:sldId id="260" r:id="rId6"/>
-    <p:sldId id="261" r:id="rId7"/>
-    <p:sldId id="262" r:id="rId8"/>
-    <p:sldId id="264" r:id="rId9"/>
-    <p:sldId id="263" r:id="rId10"/>
-    <p:sldId id="265" r:id="rId11"/>
+    <p:sldId id="266" r:id="rId3"/>
+    <p:sldId id="257" r:id="rId4"/>
+    <p:sldId id="258" r:id="rId5"/>
+    <p:sldId id="259" r:id="rId6"/>
+    <p:sldId id="260" r:id="rId7"/>
+    <p:sldId id="261" r:id="rId8"/>
+    <p:sldId id="262" r:id="rId9"/>
+    <p:sldId id="264" r:id="rId10"/>
+    <p:sldId id="263" r:id="rId11"/>
+    <p:sldId id="265" r:id="rId12"/>
   </p:sldIdLst>
   <p:sldSz cx="12192000" cy="6858000"/>
   <p:notesSz cx="6858000" cy="9144000"/>
@@ -113,6 +114,11 @@
       </a:defRPr>
     </a:lvl9pPr>
   </p:defaultTextStyle>
+  <p:extLst>
+    <p:ext uri="{EFAFB233-063F-42B5-8137-9DF3F51BA10A}">
+      <p15:sldGuideLst xmlns:p15="http://schemas.microsoft.com/office/powerpoint/2012/main"/>
+    </p:ext>
+  </p:extLst>
 </p:presentation>
 </file>
 
@@ -5610,7 +5616,7 @@
           <a:p>
             <a:fld id="{04CDF453-6F3F-46A3-BDEA-26275917F285}" type="datetimeFigureOut">
               <a:rPr lang="en-US" smtClean="0"/>
-              <a:t>4/10/2022</a:t>
+              <a:t>4/11/2022</a:t>
             </a:fld>
             <a:endParaRPr lang="en-US"/>
           </a:p>
@@ -5780,7 +5786,7 @@
           <a:p>
             <a:fld id="{04CDF453-6F3F-46A3-BDEA-26275917F285}" type="datetimeFigureOut">
               <a:rPr lang="en-US" smtClean="0"/>
-              <a:t>4/10/2022</a:t>
+              <a:t>4/11/2022</a:t>
             </a:fld>
             <a:endParaRPr lang="en-US"/>
           </a:p>
@@ -6003,7 +6009,7 @@
           <a:p>
             <a:fld id="{04CDF453-6F3F-46A3-BDEA-26275917F285}" type="datetimeFigureOut">
               <a:rPr lang="en-US" smtClean="0"/>
-              <a:t>4/10/2022</a:t>
+              <a:t>4/11/2022</a:t>
             </a:fld>
             <a:endParaRPr lang="en-US"/>
           </a:p>
@@ -6183,7 +6189,7 @@
           <a:p>
             <a:fld id="{04CDF453-6F3F-46A3-BDEA-26275917F285}" type="datetimeFigureOut">
               <a:rPr lang="en-US" smtClean="0"/>
-              <a:t>4/10/2022</a:t>
+              <a:t>4/11/2022</a:t>
             </a:fld>
             <a:endParaRPr lang="en-US"/>
           </a:p>
@@ -6489,7 +6495,7 @@
           <a:p>
             <a:fld id="{04CDF453-6F3F-46A3-BDEA-26275917F285}" type="datetimeFigureOut">
               <a:rPr lang="en-US" smtClean="0"/>
-              <a:t>4/10/2022</a:t>
+              <a:t>4/11/2022</a:t>
             </a:fld>
             <a:endParaRPr lang="en-US"/>
           </a:p>
@@ -6793,7 +6799,7 @@
           <a:p>
             <a:fld id="{04CDF453-6F3F-46A3-BDEA-26275917F285}" type="datetimeFigureOut">
               <a:rPr lang="en-US" smtClean="0"/>
-              <a:t>4/10/2022</a:t>
+              <a:t>4/11/2022</a:t>
             </a:fld>
             <a:endParaRPr lang="en-US"/>
           </a:p>
@@ -7215,7 +7221,7 @@
           <a:p>
             <a:fld id="{04CDF453-6F3F-46A3-BDEA-26275917F285}" type="datetimeFigureOut">
               <a:rPr lang="en-US" smtClean="0"/>
-              <a:t>4/10/2022</a:t>
+              <a:t>4/11/2022</a:t>
             </a:fld>
             <a:endParaRPr lang="en-US"/>
           </a:p>
@@ -7333,7 +7339,7 @@
           <a:p>
             <a:fld id="{04CDF453-6F3F-46A3-BDEA-26275917F285}" type="datetimeFigureOut">
               <a:rPr lang="en-US" smtClean="0"/>
-              <a:t>4/10/2022</a:t>
+              <a:t>4/11/2022</a:t>
             </a:fld>
             <a:endParaRPr lang="en-US"/>
           </a:p>
@@ -7428,7 +7434,7 @@
           <a:p>
             <a:fld id="{04CDF453-6F3F-46A3-BDEA-26275917F285}" type="datetimeFigureOut">
               <a:rPr lang="en-US" smtClean="0"/>
-              <a:t>4/10/2022</a:t>
+              <a:t>4/11/2022</a:t>
             </a:fld>
             <a:endParaRPr lang="en-US"/>
           </a:p>
@@ -7701,7 +7707,7 @@
           <a:p>
             <a:fld id="{04CDF453-6F3F-46A3-BDEA-26275917F285}" type="datetimeFigureOut">
               <a:rPr lang="en-US" smtClean="0"/>
-              <a:t>4/10/2022</a:t>
+              <a:t>4/11/2022</a:t>
             </a:fld>
             <a:endParaRPr lang="en-US"/>
           </a:p>
@@ -7966,7 +7972,7 @@
           <a:p>
             <a:fld id="{04CDF453-6F3F-46A3-BDEA-26275917F285}" type="datetimeFigureOut">
               <a:rPr lang="en-US" smtClean="0"/>
-              <a:t>4/10/2022</a:t>
+              <a:t>4/11/2022</a:t>
             </a:fld>
             <a:endParaRPr lang="en-US"/>
           </a:p>
@@ -8215,7 +8221,7 @@
           <a:p>
             <a:fld id="{04CDF453-6F3F-46A3-BDEA-26275917F285}" type="datetimeFigureOut">
               <a:rPr lang="en-US" smtClean="0"/>
-              <a:t>4/10/2022</a:t>
+              <a:t>4/11/2022</a:t>
             </a:fld>
             <a:endParaRPr lang="en-US"/>
           </a:p>
@@ -8763,6 +8769,243 @@
           <p:cNvPr id="2" name="TextBox 1">
             <a:extLst>
               <a:ext uri="{FF2B5EF4-FFF2-40B4-BE49-F238E27FC236}">
+                <a16:creationId xmlns:a16="http://schemas.microsoft.com/office/drawing/2014/main" id="{A5358674-E58C-454A-A42E-21409D8B760F}"/>
+              </a:ext>
+            </a:extLst>
+          </p:cNvPr>
+          <p:cNvSpPr txBox="1"/>
+          <p:nvPr/>
+        </p:nvSpPr>
+        <p:spPr>
+          <a:xfrm>
+            <a:off x="218113" y="226503"/>
+            <a:ext cx="1743619" cy="523220"/>
+          </a:xfrm>
+          <a:prstGeom prst="rect">
+            <a:avLst/>
+          </a:prstGeom>
+          <a:noFill/>
+        </p:spPr>
+        <p:txBody>
+          <a:bodyPr wrap="none" rtlCol="0">
+            <a:spAutoFit/>
+          </a:bodyPr>
+          <a:lstStyle/>
+          <a:p>
+            <a:r>
+              <a:rPr lang="en-US" sz="2800" b="1" dirty="0"/>
+              <a:t>Next Step</a:t>
+            </a:r>
+          </a:p>
+        </p:txBody>
+      </p:sp>
+      <p:sp>
+        <p:nvSpPr>
+          <p:cNvPr id="15" name="Rectangle: Rounded Corners 14">
+            <a:extLst>
+              <a:ext uri="{FF2B5EF4-FFF2-40B4-BE49-F238E27FC236}">
+                <a16:creationId xmlns:a16="http://schemas.microsoft.com/office/drawing/2014/main" id="{DC92108B-2417-4AA9-9995-42F350DB0861}"/>
+              </a:ext>
+            </a:extLst>
+          </p:cNvPr>
+          <p:cNvSpPr/>
+          <p:nvPr/>
+        </p:nvSpPr>
+        <p:spPr>
+          <a:xfrm>
+            <a:off x="0" y="749722"/>
+            <a:ext cx="12192000" cy="291323"/>
+          </a:xfrm>
+          <a:prstGeom prst="roundRect">
+            <a:avLst>
+              <a:gd name="adj" fmla="val 0"/>
+            </a:avLst>
+          </a:prstGeom>
+          <a:solidFill>
+            <a:schemeClr val="tx1"/>
+          </a:solidFill>
+          <a:ln>
+            <a:solidFill>
+              <a:schemeClr val="tx1">
+                <a:lumMod val="75000"/>
+              </a:schemeClr>
+            </a:solidFill>
+          </a:ln>
+        </p:spPr>
+        <p:style>
+          <a:lnRef idx="2">
+            <a:schemeClr val="accent1">
+              <a:shade val="50000"/>
+            </a:schemeClr>
+          </a:lnRef>
+          <a:fillRef idx="1">
+            <a:schemeClr val="accent1"/>
+          </a:fillRef>
+          <a:effectRef idx="0">
+            <a:schemeClr val="accent1"/>
+          </a:effectRef>
+          <a:fontRef idx="minor">
+            <a:schemeClr val="lt1"/>
+          </a:fontRef>
+        </p:style>
+        <p:txBody>
+          <a:bodyPr rtlCol="0" anchor="ctr"/>
+          <a:lstStyle/>
+          <a:p>
+            <a:pPr algn="ctr"/>
+            <a:endParaRPr lang="en-US"/>
+          </a:p>
+        </p:txBody>
+      </p:sp>
+      <p:sp>
+        <p:nvSpPr>
+          <p:cNvPr id="3" name="TextBox 2">
+            <a:extLst>
+              <a:ext uri="{FF2B5EF4-FFF2-40B4-BE49-F238E27FC236}">
+                <a16:creationId xmlns:a16="http://schemas.microsoft.com/office/drawing/2014/main" id="{D8C1A613-39EA-4DFE-833B-ABBFEA893715}"/>
+              </a:ext>
+            </a:extLst>
+          </p:cNvPr>
+          <p:cNvSpPr txBox="1"/>
+          <p:nvPr/>
+        </p:nvSpPr>
+        <p:spPr>
+          <a:xfrm>
+            <a:off x="218113" y="1317072"/>
+            <a:ext cx="3855543" cy="2431435"/>
+          </a:xfrm>
+          <a:prstGeom prst="rect">
+            <a:avLst/>
+          </a:prstGeom>
+          <a:noFill/>
+        </p:spPr>
+        <p:txBody>
+          <a:bodyPr wrap="none" rtlCol="0">
+            <a:spAutoFit/>
+          </a:bodyPr>
+          <a:lstStyle/>
+          <a:p>
+            <a:r>
+              <a:rPr lang="en-US" dirty="0"/>
+              <a:t>Mexico Implementation</a:t>
+            </a:r>
+          </a:p>
+          <a:p>
+            <a:pPr marL="285750" indent="-285750">
+              <a:buFont typeface="Arial" panose="020B0604020202020204" pitchFamily="34" charset="0"/>
+              <a:buChar char="•"/>
+            </a:pPr>
+            <a:r>
+              <a:rPr lang="en-US" sz="1400" dirty="0"/>
+              <a:t>Benefits Evaluation</a:t>
+            </a:r>
+          </a:p>
+          <a:p>
+            <a:pPr marL="285750" indent="-285750">
+              <a:buFont typeface="Arial" panose="020B0604020202020204" pitchFamily="34" charset="0"/>
+              <a:buChar char="•"/>
+            </a:pPr>
+            <a:r>
+              <a:rPr lang="en-US" sz="1400" dirty="0"/>
+              <a:t>Effectiveness improvement</a:t>
+            </a:r>
+          </a:p>
+          <a:p>
+            <a:endParaRPr lang="en-US" dirty="0"/>
+          </a:p>
+          <a:p>
+            <a:r>
+              <a:rPr lang="en-US" dirty="0"/>
+              <a:t>Predictive models for other languages:</a:t>
+            </a:r>
+          </a:p>
+          <a:p>
+            <a:pPr marL="285750" indent="-285750">
+              <a:buFont typeface="Arial" panose="020B0604020202020204" pitchFamily="34" charset="0"/>
+              <a:buChar char="•"/>
+            </a:pPr>
+            <a:r>
+              <a:rPr lang="en-US" sz="1400" dirty="0"/>
+              <a:t>English</a:t>
+            </a:r>
+          </a:p>
+          <a:p>
+            <a:pPr marL="285750" indent="-285750">
+              <a:buFont typeface="Arial" panose="020B0604020202020204" pitchFamily="34" charset="0"/>
+              <a:buChar char="•"/>
+            </a:pPr>
+            <a:r>
+              <a:rPr lang="en-US" sz="1400" dirty="0"/>
+              <a:t>French</a:t>
+            </a:r>
+          </a:p>
+          <a:p>
+            <a:pPr marL="285750" indent="-285750">
+              <a:buFont typeface="Arial" panose="020B0604020202020204" pitchFamily="34" charset="0"/>
+              <a:buChar char="•"/>
+            </a:pPr>
+            <a:r>
+              <a:rPr lang="en-US" sz="1400" dirty="0"/>
+              <a:t>German</a:t>
+            </a:r>
+          </a:p>
+          <a:p>
+            <a:pPr marL="285750" indent="-285750">
+              <a:buFont typeface="Arial" panose="020B0604020202020204" pitchFamily="34" charset="0"/>
+              <a:buChar char="•"/>
+            </a:pPr>
+            <a:r>
+              <a:rPr lang="en-US" sz="1400" dirty="0"/>
+              <a:t>Polish</a:t>
+            </a:r>
+          </a:p>
+          <a:p>
+            <a:pPr marL="285750" indent="-285750">
+              <a:buFont typeface="Arial" panose="020B0604020202020204" pitchFamily="34" charset="0"/>
+              <a:buChar char="•"/>
+            </a:pPr>
+            <a:r>
+              <a:rPr lang="en-US" sz="1400" dirty="0"/>
+              <a:t>Croatian</a:t>
+            </a:r>
+          </a:p>
+        </p:txBody>
+      </p:sp>
+    </p:spTree>
+    <p:extLst>
+      <p:ext uri="{BB962C8B-B14F-4D97-AF65-F5344CB8AC3E}">
+        <p14:creationId xmlns:p14="http://schemas.microsoft.com/office/powerpoint/2010/main" val="1347674390"/>
+      </p:ext>
+    </p:extLst>
+  </p:cSld>
+  <p:clrMapOvr>
+    <a:masterClrMapping/>
+  </p:clrMapOvr>
+</p:sld>
+</file>
+
+<file path=ppt/slides/slide11.xml><?xml version="1.0" encoding="utf-8"?>
+<p:sld xmlns:a="http://schemas.openxmlformats.org/drawingml/2006/main" xmlns:r="http://schemas.openxmlformats.org/officeDocument/2006/relationships" xmlns:p="http://schemas.openxmlformats.org/presentationml/2006/main">
+  <p:cSld>
+    <p:spTree>
+      <p:nvGrpSpPr>
+        <p:cNvPr id="1" name=""/>
+        <p:cNvGrpSpPr/>
+        <p:nvPr/>
+      </p:nvGrpSpPr>
+      <p:grpSpPr>
+        <a:xfrm>
+          <a:off x="0" y="0"/>
+          <a:ext cx="0" cy="0"/>
+          <a:chOff x="0" y="0"/>
+          <a:chExt cx="0" cy="0"/>
+        </a:xfrm>
+      </p:grpSpPr>
+      <p:sp>
+        <p:nvSpPr>
+          <p:cNvPr id="2" name="TextBox 1">
+            <a:extLst>
+              <a:ext uri="{FF2B5EF4-FFF2-40B4-BE49-F238E27FC236}">
                 <a16:creationId xmlns:a16="http://schemas.microsoft.com/office/drawing/2014/main" id="{140EC00E-28A5-4F77-97B3-EE005A42C923}"/>
               </a:ext>
             </a:extLst>
@@ -8807,6 +9050,438 @@
 </file>
 
 <file path=ppt/slides/slide2.xml><?xml version="1.0" encoding="utf-8"?>
+<p:sld xmlns:a="http://schemas.openxmlformats.org/drawingml/2006/main" xmlns:r="http://schemas.openxmlformats.org/officeDocument/2006/relationships" xmlns:p="http://schemas.openxmlformats.org/presentationml/2006/main">
+  <p:cSld>
+    <p:spTree>
+      <p:nvGrpSpPr>
+        <p:cNvPr id="1" name=""/>
+        <p:cNvGrpSpPr/>
+        <p:nvPr/>
+      </p:nvGrpSpPr>
+      <p:grpSpPr>
+        <a:xfrm>
+          <a:off x="0" y="0"/>
+          <a:ext cx="0" cy="0"/>
+          <a:chOff x="0" y="0"/>
+          <a:chExt cx="0" cy="0"/>
+        </a:xfrm>
+      </p:grpSpPr>
+      <p:sp>
+        <p:nvSpPr>
+          <p:cNvPr id="2" name="Title 1">
+            <a:extLst>
+              <a:ext uri="{FF2B5EF4-FFF2-40B4-BE49-F238E27FC236}">
+                <a16:creationId xmlns:a16="http://schemas.microsoft.com/office/drawing/2014/main" id="{B3ED291A-600D-4F6E-830C-48F95D26DE90}"/>
+              </a:ext>
+            </a:extLst>
+          </p:cNvPr>
+          <p:cNvSpPr>
+            <a:spLocks noGrp="1"/>
+          </p:cNvSpPr>
+          <p:nvPr>
+            <p:ph type="title"/>
+          </p:nvPr>
+        </p:nvSpPr>
+        <p:spPr/>
+        <p:txBody>
+          <a:bodyPr/>
+          <a:lstStyle/>
+          <a:p>
+            <a:r>
+              <a:rPr lang="en-US" dirty="0"/>
+              <a:t>CEMEX: TICKET ASSIGNMENT DELAYS ON SERVICE DESK</a:t>
+            </a:r>
+          </a:p>
+        </p:txBody>
+      </p:sp>
+      <p:sp>
+        <p:nvSpPr>
+          <p:cNvPr id="4" name="TextBox 3">
+            <a:extLst>
+              <a:ext uri="{FF2B5EF4-FFF2-40B4-BE49-F238E27FC236}">
+                <a16:creationId xmlns:a16="http://schemas.microsoft.com/office/drawing/2014/main" id="{55667010-DBD8-459C-88F7-301363024630}"/>
+              </a:ext>
+            </a:extLst>
+          </p:cNvPr>
+          <p:cNvSpPr txBox="1"/>
+          <p:nvPr/>
+        </p:nvSpPr>
+        <p:spPr>
+          <a:xfrm>
+            <a:off x="291732" y="2712347"/>
+            <a:ext cx="1956754" cy="369332"/>
+          </a:xfrm>
+          <a:prstGeom prst="rect">
+            <a:avLst/>
+          </a:prstGeom>
+          <a:noFill/>
+        </p:spPr>
+        <p:txBody>
+          <a:bodyPr wrap="none" rtlCol="0">
+            <a:spAutoFit/>
+          </a:bodyPr>
+          <a:lstStyle/>
+          <a:p>
+            <a:r>
+              <a:rPr lang="en-US" dirty="0"/>
+              <a:t>Area: Service Desk</a:t>
+            </a:r>
+          </a:p>
+        </p:txBody>
+      </p:sp>
+      <p:sp>
+        <p:nvSpPr>
+          <p:cNvPr id="5" name="TextBox 4">
+            <a:extLst>
+              <a:ext uri="{FF2B5EF4-FFF2-40B4-BE49-F238E27FC236}">
+                <a16:creationId xmlns:a16="http://schemas.microsoft.com/office/drawing/2014/main" id="{F741D8FA-F8A6-48D0-AE28-E42F787CA4A8}"/>
+              </a:ext>
+            </a:extLst>
+          </p:cNvPr>
+          <p:cNvSpPr txBox="1"/>
+          <p:nvPr/>
+        </p:nvSpPr>
+        <p:spPr>
+          <a:xfrm>
+            <a:off x="262852" y="5519794"/>
+            <a:ext cx="2169952" cy="923330"/>
+          </a:xfrm>
+          <a:prstGeom prst="rect">
+            <a:avLst/>
+          </a:prstGeom>
+          <a:noFill/>
+        </p:spPr>
+        <p:txBody>
+          <a:bodyPr wrap="square" rtlCol="0">
+            <a:spAutoFit/>
+          </a:bodyPr>
+          <a:lstStyle/>
+          <a:p>
+            <a:r>
+              <a:rPr lang="en-US" dirty="0"/>
+              <a:t>Solution Designer:</a:t>
+            </a:r>
+          </a:p>
+          <a:p>
+            <a:r>
+              <a:rPr lang="en-US" dirty="0"/>
+              <a:t>Mario Arturo Morales Suárez</a:t>
+            </a:r>
+          </a:p>
+        </p:txBody>
+      </p:sp>
+      <p:sp>
+        <p:nvSpPr>
+          <p:cNvPr id="7" name="Rectangle 6">
+            <a:extLst>
+              <a:ext uri="{FF2B5EF4-FFF2-40B4-BE49-F238E27FC236}">
+                <a16:creationId xmlns:a16="http://schemas.microsoft.com/office/drawing/2014/main" id="{08ABF097-EDCB-45D3-AA70-576EDDD1B8A2}"/>
+              </a:ext>
+            </a:extLst>
+          </p:cNvPr>
+          <p:cNvSpPr/>
+          <p:nvPr/>
+        </p:nvSpPr>
+        <p:spPr>
+          <a:xfrm>
+            <a:off x="2684475" y="4840448"/>
+            <a:ext cx="4026717" cy="1767121"/>
+          </a:xfrm>
+          <a:prstGeom prst="rect">
+            <a:avLst/>
+          </a:prstGeom>
+          <a:solidFill>
+            <a:schemeClr val="tx1"/>
+          </a:solidFill>
+          <a:ln>
+            <a:noFill/>
+          </a:ln>
+        </p:spPr>
+        <p:style>
+          <a:lnRef idx="2">
+            <a:schemeClr val="accent1">
+              <a:shade val="50000"/>
+            </a:schemeClr>
+          </a:lnRef>
+          <a:fillRef idx="1">
+            <a:schemeClr val="accent1"/>
+          </a:fillRef>
+          <a:effectRef idx="0">
+            <a:schemeClr val="accent1"/>
+          </a:effectRef>
+          <a:fontRef idx="minor">
+            <a:schemeClr val="lt1"/>
+          </a:fontRef>
+        </p:style>
+        <p:txBody>
+          <a:bodyPr rtlCol="0" anchor="t"/>
+          <a:lstStyle/>
+          <a:p>
+            <a:r>
+              <a:rPr lang="en-US" dirty="0">
+                <a:solidFill>
+                  <a:schemeClr val="bg1"/>
+                </a:solidFill>
+              </a:rPr>
+              <a:t>Crate a predictive tool that helps the Help Desk agent to reduce the time for solver groups ticket assignment to tackle the current situation and help in the future with the high turnover rates on this kind of teams</a:t>
+            </a:r>
+          </a:p>
+        </p:txBody>
+      </p:sp>
+      <p:sp>
+        <p:nvSpPr>
+          <p:cNvPr id="10" name="Rectangle 9">
+            <a:extLst>
+              <a:ext uri="{FF2B5EF4-FFF2-40B4-BE49-F238E27FC236}">
+                <a16:creationId xmlns:a16="http://schemas.microsoft.com/office/drawing/2014/main" id="{6E2FE9F3-1C88-4F32-8F2E-5960B41EC519}"/>
+              </a:ext>
+            </a:extLst>
+          </p:cNvPr>
+          <p:cNvSpPr/>
+          <p:nvPr/>
+        </p:nvSpPr>
+        <p:spPr>
+          <a:xfrm>
+            <a:off x="7986320" y="3429000"/>
+            <a:ext cx="4014240" cy="2036110"/>
+          </a:xfrm>
+          <a:prstGeom prst="rect">
+            <a:avLst/>
+          </a:prstGeom>
+          <a:solidFill>
+            <a:schemeClr val="tx1"/>
+          </a:solidFill>
+          <a:ln>
+            <a:noFill/>
+          </a:ln>
+        </p:spPr>
+        <p:style>
+          <a:lnRef idx="2">
+            <a:schemeClr val="accent1">
+              <a:shade val="50000"/>
+            </a:schemeClr>
+          </a:lnRef>
+          <a:fillRef idx="1">
+            <a:schemeClr val="accent1"/>
+          </a:fillRef>
+          <a:effectRef idx="0">
+            <a:schemeClr val="accent1"/>
+          </a:effectRef>
+          <a:fontRef idx="minor">
+            <a:schemeClr val="lt1"/>
+          </a:fontRef>
+        </p:style>
+        <p:txBody>
+          <a:bodyPr rtlCol="0" anchor="ctr"/>
+          <a:lstStyle/>
+          <a:p>
+            <a:pPr algn="ctr"/>
+            <a:endParaRPr lang="en-US"/>
+          </a:p>
+        </p:txBody>
+      </p:sp>
+      <p:pic>
+        <p:nvPicPr>
+          <p:cNvPr id="11" name="Picture 10">
+            <a:extLst>
+              <a:ext uri="{FF2B5EF4-FFF2-40B4-BE49-F238E27FC236}">
+                <a16:creationId xmlns:a16="http://schemas.microsoft.com/office/drawing/2014/main" id="{892CFBCB-67A7-4E09-91C8-6C75744C856A}"/>
+              </a:ext>
+            </a:extLst>
+          </p:cNvPr>
+          <p:cNvPicPr>
+            <a:picLocks noChangeAspect="1"/>
+          </p:cNvPicPr>
+          <p:nvPr/>
+        </p:nvPicPr>
+        <p:blipFill>
+          <a:blip r:embed="rId2"/>
+          <a:stretch>
+            <a:fillRect/>
+          </a:stretch>
+        </p:blipFill>
+        <p:spPr>
+          <a:xfrm>
+            <a:off x="8139365" y="3527685"/>
+            <a:ext cx="3708150" cy="1828800"/>
+          </a:xfrm>
+          <a:prstGeom prst="rect">
+            <a:avLst/>
+          </a:prstGeom>
+        </p:spPr>
+      </p:pic>
+      <p:sp>
+        <p:nvSpPr>
+          <p:cNvPr id="12" name="Rectangle 11">
+            <a:extLst>
+              <a:ext uri="{FF2B5EF4-FFF2-40B4-BE49-F238E27FC236}">
+                <a16:creationId xmlns:a16="http://schemas.microsoft.com/office/drawing/2014/main" id="{D78C3C25-E53A-4F90-B3A7-EE7A94D36861}"/>
+              </a:ext>
+            </a:extLst>
+          </p:cNvPr>
+          <p:cNvSpPr/>
+          <p:nvPr/>
+        </p:nvSpPr>
+        <p:spPr>
+          <a:xfrm>
+            <a:off x="2684475" y="2449572"/>
+            <a:ext cx="4026717" cy="1958855"/>
+          </a:xfrm>
+          <a:prstGeom prst="rect">
+            <a:avLst/>
+          </a:prstGeom>
+          <a:solidFill>
+            <a:schemeClr val="tx1"/>
+          </a:solidFill>
+          <a:ln>
+            <a:noFill/>
+          </a:ln>
+        </p:spPr>
+        <p:style>
+          <a:lnRef idx="2">
+            <a:schemeClr val="accent1">
+              <a:shade val="50000"/>
+            </a:schemeClr>
+          </a:lnRef>
+          <a:fillRef idx="1">
+            <a:schemeClr val="accent1"/>
+          </a:fillRef>
+          <a:effectRef idx="0">
+            <a:schemeClr val="accent1"/>
+          </a:effectRef>
+          <a:fontRef idx="minor">
+            <a:schemeClr val="lt1"/>
+          </a:fontRef>
+        </p:style>
+        <p:txBody>
+          <a:bodyPr rtlCol="0" anchor="t"/>
+          <a:lstStyle/>
+          <a:p>
+            <a:r>
+              <a:rPr lang="en-US" dirty="0">
+                <a:solidFill>
+                  <a:schemeClr val="bg1"/>
+                </a:solidFill>
+              </a:rPr>
+              <a:t>Due to a team transition process, new hirings and lack of experience and knowledge in the Service Desk team, CEMEX is facing high  response to assign the tickets to the solver groups, causing bad experience to our users.</a:t>
+            </a:r>
+          </a:p>
+        </p:txBody>
+      </p:sp>
+      <p:sp>
+        <p:nvSpPr>
+          <p:cNvPr id="13" name="TextBox 12">
+            <a:extLst>
+              <a:ext uri="{FF2B5EF4-FFF2-40B4-BE49-F238E27FC236}">
+                <a16:creationId xmlns:a16="http://schemas.microsoft.com/office/drawing/2014/main" id="{C48B5AC5-0D7C-4E9E-B7DB-87F0371DACA6}"/>
+              </a:ext>
+            </a:extLst>
+          </p:cNvPr>
+          <p:cNvSpPr txBox="1"/>
+          <p:nvPr/>
+        </p:nvSpPr>
+        <p:spPr>
+          <a:xfrm>
+            <a:off x="2608974" y="2065674"/>
+            <a:ext cx="1138453" cy="369332"/>
+          </a:xfrm>
+          <a:prstGeom prst="rect">
+            <a:avLst/>
+          </a:prstGeom>
+          <a:noFill/>
+        </p:spPr>
+        <p:txBody>
+          <a:bodyPr wrap="none" rtlCol="0">
+            <a:spAutoFit/>
+          </a:bodyPr>
+          <a:lstStyle/>
+          <a:p>
+            <a:r>
+              <a:rPr lang="en-US" dirty="0"/>
+              <a:t>Challenge</a:t>
+            </a:r>
+          </a:p>
+        </p:txBody>
+      </p:sp>
+      <p:sp>
+        <p:nvSpPr>
+          <p:cNvPr id="14" name="TextBox 13">
+            <a:extLst>
+              <a:ext uri="{FF2B5EF4-FFF2-40B4-BE49-F238E27FC236}">
+                <a16:creationId xmlns:a16="http://schemas.microsoft.com/office/drawing/2014/main" id="{D2A9C1FE-AF75-4D33-A7F0-3642FCDE3BEE}"/>
+              </a:ext>
+            </a:extLst>
+          </p:cNvPr>
+          <p:cNvSpPr txBox="1"/>
+          <p:nvPr/>
+        </p:nvSpPr>
+        <p:spPr>
+          <a:xfrm>
+            <a:off x="2614911" y="4471116"/>
+            <a:ext cx="1104790" cy="369332"/>
+          </a:xfrm>
+          <a:prstGeom prst="rect">
+            <a:avLst/>
+          </a:prstGeom>
+          <a:noFill/>
+        </p:spPr>
+        <p:txBody>
+          <a:bodyPr wrap="none" rtlCol="0">
+            <a:spAutoFit/>
+          </a:bodyPr>
+          <a:lstStyle/>
+          <a:p>
+            <a:r>
+              <a:rPr lang="en-US" dirty="0"/>
+              <a:t>Objective</a:t>
+            </a:r>
+          </a:p>
+        </p:txBody>
+      </p:sp>
+      <p:pic>
+        <p:nvPicPr>
+          <p:cNvPr id="15" name="Picture 14">
+            <a:extLst>
+              <a:ext uri="{FF2B5EF4-FFF2-40B4-BE49-F238E27FC236}">
+                <a16:creationId xmlns:a16="http://schemas.microsoft.com/office/drawing/2014/main" id="{7930C48C-9089-46A0-A4F5-A90DBC1C6B59}"/>
+              </a:ext>
+            </a:extLst>
+          </p:cNvPr>
+          <p:cNvPicPr>
+            <a:picLocks noChangeAspect="1"/>
+          </p:cNvPicPr>
+          <p:nvPr/>
+        </p:nvPicPr>
+        <p:blipFill>
+          <a:blip r:embed="rId3"/>
+          <a:stretch>
+            <a:fillRect/>
+          </a:stretch>
+        </p:blipFill>
+        <p:spPr>
+          <a:xfrm>
+            <a:off x="372148" y="3140005"/>
+            <a:ext cx="1876338" cy="1247764"/>
+          </a:xfrm>
+          <a:prstGeom prst="rect">
+            <a:avLst/>
+          </a:prstGeom>
+        </p:spPr>
+      </p:pic>
+    </p:spTree>
+    <p:extLst>
+      <p:ext uri="{BB962C8B-B14F-4D97-AF65-F5344CB8AC3E}">
+        <p14:creationId xmlns:p14="http://schemas.microsoft.com/office/powerpoint/2010/main" val="689895550"/>
+      </p:ext>
+    </p:extLst>
+  </p:cSld>
+  <p:clrMapOvr>
+    <a:masterClrMapping/>
+  </p:clrMapOvr>
+</p:sld>
+</file>
+
+<file path=ppt/slides/slide3.xml><?xml version="1.0" encoding="utf-8"?>
 <p:sld xmlns:a="http://schemas.openxmlformats.org/drawingml/2006/main" xmlns:r="http://schemas.openxmlformats.org/officeDocument/2006/relationships" xmlns:p="http://schemas.openxmlformats.org/presentationml/2006/main">
   <p:cSld>
     <p:bg>
@@ -9198,7 +9873,7 @@
 </p:sld>
 </file>
 
-<file path=ppt/slides/slide3.xml><?xml version="1.0" encoding="utf-8"?>
+<file path=ppt/slides/slide4.xml><?xml version="1.0" encoding="utf-8"?>
 <p:sld xmlns:a="http://schemas.openxmlformats.org/drawingml/2006/main" xmlns:r="http://schemas.openxmlformats.org/officeDocument/2006/relationships" xmlns:p="http://schemas.openxmlformats.org/presentationml/2006/main">
   <p:cSld>
     <p:spTree>
@@ -9807,7 +10482,7 @@
 </p:sld>
 </file>
 
-<file path=ppt/slides/slide4.xml><?xml version="1.0" encoding="utf-8"?>
+<file path=ppt/slides/slide5.xml><?xml version="1.0" encoding="utf-8"?>
 <p:sld xmlns:a="http://schemas.openxmlformats.org/drawingml/2006/main" xmlns:r="http://schemas.openxmlformats.org/officeDocument/2006/relationships" xmlns:p="http://schemas.openxmlformats.org/presentationml/2006/main">
   <p:cSld>
     <p:spTree>
@@ -10109,7 +10784,7 @@
 </p:sld>
 </file>
 
-<file path=ppt/slides/slide5.xml><?xml version="1.0" encoding="utf-8"?>
+<file path=ppt/slides/slide6.xml><?xml version="1.0" encoding="utf-8"?>
 <p:sld xmlns:a="http://schemas.openxmlformats.org/drawingml/2006/main" xmlns:r="http://schemas.openxmlformats.org/officeDocument/2006/relationships" xmlns:p="http://schemas.openxmlformats.org/presentationml/2006/main">
   <p:cSld>
     <p:spTree>
@@ -10472,7 +11147,7 @@
 </p:sld>
 </file>
 
-<file path=ppt/slides/slide6.xml><?xml version="1.0" encoding="utf-8"?>
+<file path=ppt/slides/slide7.xml><?xml version="1.0" encoding="utf-8"?>
 <p:sld xmlns:a="http://schemas.openxmlformats.org/drawingml/2006/main" xmlns:r="http://schemas.openxmlformats.org/officeDocument/2006/relationships" xmlns:p="http://schemas.openxmlformats.org/presentationml/2006/main">
   <p:cSld>
     <p:spTree>
@@ -12192,7 +12867,7 @@
 </p:sld>
 </file>
 
-<file path=ppt/slides/slide7.xml><?xml version="1.0" encoding="utf-8"?>
+<file path=ppt/slides/slide8.xml><?xml version="1.0" encoding="utf-8"?>
 <p:sld xmlns:a="http://schemas.openxmlformats.org/drawingml/2006/main" xmlns:r="http://schemas.openxmlformats.org/officeDocument/2006/relationships" xmlns:p="http://schemas.openxmlformats.org/presentationml/2006/main">
   <p:cSld>
     <p:spTree>
@@ -12525,7 +13200,7 @@
 </p:sld>
 </file>
 
-<file path=ppt/slides/slide8.xml><?xml version="1.0" encoding="utf-8"?>
+<file path=ppt/slides/slide9.xml><?xml version="1.0" encoding="utf-8"?>
 <p:sld xmlns:a="http://schemas.openxmlformats.org/drawingml/2006/main" xmlns:r="http://schemas.openxmlformats.org/officeDocument/2006/relationships" xmlns:p="http://schemas.openxmlformats.org/presentationml/2006/main">
   <p:cSld>
     <p:spTree>
@@ -13143,243 +13818,6 @@
     <p:extLst>
       <p:ext uri="{BB962C8B-B14F-4D97-AF65-F5344CB8AC3E}">
         <p14:creationId xmlns:p14="http://schemas.microsoft.com/office/powerpoint/2010/main" val="4010966332"/>
-      </p:ext>
-    </p:extLst>
-  </p:cSld>
-  <p:clrMapOvr>
-    <a:masterClrMapping/>
-  </p:clrMapOvr>
-</p:sld>
-</file>
-
-<file path=ppt/slides/slide9.xml><?xml version="1.0" encoding="utf-8"?>
-<p:sld xmlns:a="http://schemas.openxmlformats.org/drawingml/2006/main" xmlns:r="http://schemas.openxmlformats.org/officeDocument/2006/relationships" xmlns:p="http://schemas.openxmlformats.org/presentationml/2006/main">
-  <p:cSld>
-    <p:spTree>
-      <p:nvGrpSpPr>
-        <p:cNvPr id="1" name=""/>
-        <p:cNvGrpSpPr/>
-        <p:nvPr/>
-      </p:nvGrpSpPr>
-      <p:grpSpPr>
-        <a:xfrm>
-          <a:off x="0" y="0"/>
-          <a:ext cx="0" cy="0"/>
-          <a:chOff x="0" y="0"/>
-          <a:chExt cx="0" cy="0"/>
-        </a:xfrm>
-      </p:grpSpPr>
-      <p:sp>
-        <p:nvSpPr>
-          <p:cNvPr id="2" name="TextBox 1">
-            <a:extLst>
-              <a:ext uri="{FF2B5EF4-FFF2-40B4-BE49-F238E27FC236}">
-                <a16:creationId xmlns:a16="http://schemas.microsoft.com/office/drawing/2014/main" id="{A5358674-E58C-454A-A42E-21409D8B760F}"/>
-              </a:ext>
-            </a:extLst>
-          </p:cNvPr>
-          <p:cNvSpPr txBox="1"/>
-          <p:nvPr/>
-        </p:nvSpPr>
-        <p:spPr>
-          <a:xfrm>
-            <a:off x="218113" y="226503"/>
-            <a:ext cx="1743619" cy="523220"/>
-          </a:xfrm>
-          <a:prstGeom prst="rect">
-            <a:avLst/>
-          </a:prstGeom>
-          <a:noFill/>
-        </p:spPr>
-        <p:txBody>
-          <a:bodyPr wrap="none" rtlCol="0">
-            <a:spAutoFit/>
-          </a:bodyPr>
-          <a:lstStyle/>
-          <a:p>
-            <a:r>
-              <a:rPr lang="en-US" sz="2800" b="1" dirty="0"/>
-              <a:t>Next Step</a:t>
-            </a:r>
-          </a:p>
-        </p:txBody>
-      </p:sp>
-      <p:sp>
-        <p:nvSpPr>
-          <p:cNvPr id="15" name="Rectangle: Rounded Corners 14">
-            <a:extLst>
-              <a:ext uri="{FF2B5EF4-FFF2-40B4-BE49-F238E27FC236}">
-                <a16:creationId xmlns:a16="http://schemas.microsoft.com/office/drawing/2014/main" id="{DC92108B-2417-4AA9-9995-42F350DB0861}"/>
-              </a:ext>
-            </a:extLst>
-          </p:cNvPr>
-          <p:cNvSpPr/>
-          <p:nvPr/>
-        </p:nvSpPr>
-        <p:spPr>
-          <a:xfrm>
-            <a:off x="0" y="749722"/>
-            <a:ext cx="12192000" cy="291323"/>
-          </a:xfrm>
-          <a:prstGeom prst="roundRect">
-            <a:avLst>
-              <a:gd name="adj" fmla="val 0"/>
-            </a:avLst>
-          </a:prstGeom>
-          <a:solidFill>
-            <a:schemeClr val="tx1"/>
-          </a:solidFill>
-          <a:ln>
-            <a:solidFill>
-              <a:schemeClr val="tx1">
-                <a:lumMod val="75000"/>
-              </a:schemeClr>
-            </a:solidFill>
-          </a:ln>
-        </p:spPr>
-        <p:style>
-          <a:lnRef idx="2">
-            <a:schemeClr val="accent1">
-              <a:shade val="50000"/>
-            </a:schemeClr>
-          </a:lnRef>
-          <a:fillRef idx="1">
-            <a:schemeClr val="accent1"/>
-          </a:fillRef>
-          <a:effectRef idx="0">
-            <a:schemeClr val="accent1"/>
-          </a:effectRef>
-          <a:fontRef idx="minor">
-            <a:schemeClr val="lt1"/>
-          </a:fontRef>
-        </p:style>
-        <p:txBody>
-          <a:bodyPr rtlCol="0" anchor="ctr"/>
-          <a:lstStyle/>
-          <a:p>
-            <a:pPr algn="ctr"/>
-            <a:endParaRPr lang="en-US"/>
-          </a:p>
-        </p:txBody>
-      </p:sp>
-      <p:sp>
-        <p:nvSpPr>
-          <p:cNvPr id="3" name="TextBox 2">
-            <a:extLst>
-              <a:ext uri="{FF2B5EF4-FFF2-40B4-BE49-F238E27FC236}">
-                <a16:creationId xmlns:a16="http://schemas.microsoft.com/office/drawing/2014/main" id="{D8C1A613-39EA-4DFE-833B-ABBFEA893715}"/>
-              </a:ext>
-            </a:extLst>
-          </p:cNvPr>
-          <p:cNvSpPr txBox="1"/>
-          <p:nvPr/>
-        </p:nvSpPr>
-        <p:spPr>
-          <a:xfrm>
-            <a:off x="218113" y="1317072"/>
-            <a:ext cx="3855543" cy="2431435"/>
-          </a:xfrm>
-          <a:prstGeom prst="rect">
-            <a:avLst/>
-          </a:prstGeom>
-          <a:noFill/>
-        </p:spPr>
-        <p:txBody>
-          <a:bodyPr wrap="none" rtlCol="0">
-            <a:spAutoFit/>
-          </a:bodyPr>
-          <a:lstStyle/>
-          <a:p>
-            <a:r>
-              <a:rPr lang="en-US" dirty="0"/>
-              <a:t>Mexico Implementation</a:t>
-            </a:r>
-          </a:p>
-          <a:p>
-            <a:pPr marL="285750" indent="-285750">
-              <a:buFont typeface="Arial" panose="020B0604020202020204" pitchFamily="34" charset="0"/>
-              <a:buChar char="•"/>
-            </a:pPr>
-            <a:r>
-              <a:rPr lang="en-US" sz="1400" dirty="0"/>
-              <a:t>Benefits Evaluation</a:t>
-            </a:r>
-          </a:p>
-          <a:p>
-            <a:pPr marL="285750" indent="-285750">
-              <a:buFont typeface="Arial" panose="020B0604020202020204" pitchFamily="34" charset="0"/>
-              <a:buChar char="•"/>
-            </a:pPr>
-            <a:r>
-              <a:rPr lang="en-US" sz="1400" dirty="0"/>
-              <a:t>Effectiveness improvement</a:t>
-            </a:r>
-          </a:p>
-          <a:p>
-            <a:endParaRPr lang="en-US" dirty="0"/>
-          </a:p>
-          <a:p>
-            <a:r>
-              <a:rPr lang="en-US" dirty="0"/>
-              <a:t>Predictive models for other languages:</a:t>
-            </a:r>
-          </a:p>
-          <a:p>
-            <a:pPr marL="285750" indent="-285750">
-              <a:buFont typeface="Arial" panose="020B0604020202020204" pitchFamily="34" charset="0"/>
-              <a:buChar char="•"/>
-            </a:pPr>
-            <a:r>
-              <a:rPr lang="en-US" sz="1400" dirty="0"/>
-              <a:t>English</a:t>
-            </a:r>
-          </a:p>
-          <a:p>
-            <a:pPr marL="285750" indent="-285750">
-              <a:buFont typeface="Arial" panose="020B0604020202020204" pitchFamily="34" charset="0"/>
-              <a:buChar char="•"/>
-            </a:pPr>
-            <a:r>
-              <a:rPr lang="en-US" sz="1400" dirty="0"/>
-              <a:t>French</a:t>
-            </a:r>
-          </a:p>
-          <a:p>
-            <a:pPr marL="285750" indent="-285750">
-              <a:buFont typeface="Arial" panose="020B0604020202020204" pitchFamily="34" charset="0"/>
-              <a:buChar char="•"/>
-            </a:pPr>
-            <a:r>
-              <a:rPr lang="en-US" sz="1400" dirty="0"/>
-              <a:t>German</a:t>
-            </a:r>
-          </a:p>
-          <a:p>
-            <a:pPr marL="285750" indent="-285750">
-              <a:buFont typeface="Arial" panose="020B0604020202020204" pitchFamily="34" charset="0"/>
-              <a:buChar char="•"/>
-            </a:pPr>
-            <a:r>
-              <a:rPr lang="en-US" sz="1400" dirty="0"/>
-              <a:t>Polish</a:t>
-            </a:r>
-          </a:p>
-          <a:p>
-            <a:pPr marL="285750" indent="-285750">
-              <a:buFont typeface="Arial" panose="020B0604020202020204" pitchFamily="34" charset="0"/>
-              <a:buChar char="•"/>
-            </a:pPr>
-            <a:r>
-              <a:rPr lang="en-US" sz="1400" dirty="0"/>
-              <a:t>Croatian</a:t>
-            </a:r>
-          </a:p>
-        </p:txBody>
-      </p:sp>
-    </p:spTree>
-    <p:extLst>
-      <p:ext uri="{BB962C8B-B14F-4D97-AF65-F5344CB8AC3E}">
-        <p14:creationId xmlns:p14="http://schemas.microsoft.com/office/powerpoint/2010/main" val="1347674390"/>
       </p:ext>
     </p:extLst>
   </p:cSld>
